--- a/assets/img/case-studies/case3.pptx
+++ b/assets/img/case-studies/case3.pptx
@@ -2972,36 +2972,6 @@
           <a:chExt cx="0" cy="0"/>
         </a:xfrm>
       </p:grpSpPr>
-      <p:pic>
-        <p:nvPicPr>
-          <p:cNvPr id="3" name="Picture 2">
-            <a:extLst>
-              <a:ext uri="{FF2B5EF4-FFF2-40B4-BE49-F238E27FC236}">
-                <a16:creationId xmlns:a16="http://schemas.microsoft.com/office/drawing/2014/main" id="{F69B5184-276F-930F-AAEF-5691B6BBBEF0}"/>
-              </a:ext>
-            </a:extLst>
-          </p:cNvPr>
-          <p:cNvPicPr>
-            <a:picLocks noChangeAspect="1"/>
-          </p:cNvPicPr>
-          <p:nvPr/>
-        </p:nvPicPr>
-        <p:blipFill>
-          <a:blip r:embed="rId2"/>
-          <a:stretch>
-            <a:fillRect/>
-          </a:stretch>
-        </p:blipFill>
-        <p:spPr>
-          <a:xfrm>
-            <a:off x="0" y="336860"/>
-            <a:ext cx="6858000" cy="4677214"/>
-          </a:xfrm>
-          <a:prstGeom prst="rect">
-            <a:avLst/>
-          </a:prstGeom>
-        </p:spPr>
-      </p:pic>
     </p:spTree>
     <p:extLst>
       <p:ext uri="{BB962C8B-B14F-4D97-AF65-F5344CB8AC3E}">
@@ -3032,51 +3002,102 @@
           <a:chExt cx="0" cy="0"/>
         </a:xfrm>
       </p:grpSpPr>
-      <p:pic>
-        <p:nvPicPr>
-          <p:cNvPr id="2" name="Picture 2">
+      <p:grpSp>
+        <p:nvGrpSpPr>
+          <p:cNvPr id="7" name="Group 6">
             <a:extLst>
               <a:ext uri="{FF2B5EF4-FFF2-40B4-BE49-F238E27FC236}">
-                <a16:creationId xmlns:a16="http://schemas.microsoft.com/office/drawing/2014/main" id="{9EB615E1-AA14-3B6D-F4E3-0981B1439BE6}"/>
+                <a16:creationId xmlns:a16="http://schemas.microsoft.com/office/drawing/2014/main" id="{1D14D359-059A-FD69-99B7-C76E97C10C36}"/>
               </a:ext>
             </a:extLst>
           </p:cNvPr>
-          <p:cNvPicPr>
-            <a:picLocks noChangeAspect="1" noChangeArrowheads="1"/>
-          </p:cNvPicPr>
+          <p:cNvGrpSpPr/>
           <p:nvPr/>
-        </p:nvPicPr>
-        <p:blipFill rotWithShape="1">
-          <a:blip r:embed="rId2">
+        </p:nvGrpSpPr>
+        <p:grpSpPr>
+          <a:xfrm>
+            <a:off x="982980" y="1684311"/>
+            <a:ext cx="4892040" cy="9845702"/>
+            <a:chOff x="1340690" y="1684311"/>
+            <a:chExt cx="4892040" cy="9845702"/>
+          </a:xfrm>
+        </p:grpSpPr>
+        <p:pic>
+          <p:nvPicPr>
+            <p:cNvPr id="2" name="Picture 2">
+              <a:extLst>
+                <a:ext uri="{FF2B5EF4-FFF2-40B4-BE49-F238E27FC236}">
+                  <a16:creationId xmlns:a16="http://schemas.microsoft.com/office/drawing/2014/main" id="{9EB615E1-AA14-3B6D-F4E3-0981B1439BE6}"/>
+                </a:ext>
+              </a:extLst>
+            </p:cNvPr>
+            <p:cNvPicPr>
+              <a:picLocks noChangeAspect="1" noChangeArrowheads="1"/>
+            </p:cNvPicPr>
+            <p:nvPr/>
+          </p:nvPicPr>
+          <p:blipFill rotWithShape="1">
+            <a:blip r:embed="rId2">
+              <a:extLst>
+                <a:ext uri="{28A0092B-C50C-407E-A947-70E740481C1C}">
+                  <a14:useLocalDpi xmlns:a14="http://schemas.microsoft.com/office/drawing/2010/main" val="0"/>
+                </a:ext>
+              </a:extLst>
+            </a:blip>
+            <a:srcRect r="26795"/>
+            <a:stretch/>
+          </p:blipFill>
+          <p:spPr bwMode="auto">
+            <a:xfrm>
+              <a:off x="1342754" y="3367088"/>
+              <a:ext cx="4887912" cy="8162925"/>
+            </a:xfrm>
+            <a:prstGeom prst="rect">
+              <a:avLst/>
+            </a:prstGeom>
+            <a:noFill/>
             <a:extLst>
-              <a:ext uri="{28A0092B-C50C-407E-A947-70E740481C1C}">
-                <a14:useLocalDpi xmlns:a14="http://schemas.microsoft.com/office/drawing/2010/main" val="0"/>
+              <a:ext uri="{909E8E84-426E-40DD-AFC4-6F175D3DCCD1}">
+                <a14:hiddenFill xmlns:a14="http://schemas.microsoft.com/office/drawing/2010/main">
+                  <a:solidFill>
+                    <a:srgbClr val="FFFFFF"/>
+                  </a:solidFill>
+                </a14:hiddenFill>
               </a:ext>
             </a:extLst>
-          </a:blip>
-          <a:srcRect r="26795"/>
-          <a:stretch/>
-        </p:blipFill>
-        <p:spPr bwMode="auto">
-          <a:xfrm>
-            <a:off x="985044" y="3367088"/>
-            <a:ext cx="4887912" cy="8162925"/>
-          </a:xfrm>
-          <a:prstGeom prst="rect">
-            <a:avLst/>
-          </a:prstGeom>
-          <a:noFill/>
-          <a:extLst>
-            <a:ext uri="{909E8E84-426E-40DD-AFC4-6F175D3DCCD1}">
-              <a14:hiddenFill xmlns:a14="http://schemas.microsoft.com/office/drawing/2010/main">
-                <a:solidFill>
-                  <a:srgbClr val="FFFFFF"/>
-                </a:solidFill>
-              </a14:hiddenFill>
-            </a:ext>
-          </a:extLst>
-        </p:spPr>
-      </p:pic>
+          </p:spPr>
+        </p:pic>
+        <p:pic>
+          <p:nvPicPr>
+            <p:cNvPr id="5" name="Picture 4">
+              <a:extLst>
+                <a:ext uri="{FF2B5EF4-FFF2-40B4-BE49-F238E27FC236}">
+                  <a16:creationId xmlns:a16="http://schemas.microsoft.com/office/drawing/2014/main" id="{A798019C-7F10-E250-F5E4-F0C063851096}"/>
+                </a:ext>
+              </a:extLst>
+            </p:cNvPr>
+            <p:cNvPicPr>
+              <a:picLocks noChangeAspect="1"/>
+            </p:cNvPicPr>
+            <p:nvPr/>
+          </p:nvPicPr>
+          <p:blipFill>
+            <a:blip r:embed="rId3"/>
+            <a:stretch>
+              <a:fillRect/>
+            </a:stretch>
+          </p:blipFill>
+          <p:spPr>
+            <a:xfrm>
+              <a:off x="1340690" y="1684311"/>
+              <a:ext cx="4892040" cy="1533568"/>
+            </a:xfrm>
+            <a:prstGeom prst="rect">
+              <a:avLst/>
+            </a:prstGeom>
+          </p:spPr>
+        </p:pic>
+      </p:grpSp>
     </p:spTree>
     <p:extLst>
       <p:ext uri="{BB962C8B-B14F-4D97-AF65-F5344CB8AC3E}">

--- a/assets/img/case-studies/case3.pptx
+++ b/assets/img/case-studies/case3.pptx
@@ -244,7 +244,7 @@
           <a:p>
             <a:fld id="{3DE104F8-BB58-4C32-9C6F-08E25FB50337}" type="datetimeFigureOut">
               <a:rPr lang="en-US" smtClean="0"/>
-              <a:t>3/24/2023</a:t>
+              <a:t>3/25/2023</a:t>
             </a:fld>
             <a:endParaRPr lang="en-US"/>
           </a:p>
@@ -414,7 +414,7 @@
           <a:p>
             <a:fld id="{3DE104F8-BB58-4C32-9C6F-08E25FB50337}" type="datetimeFigureOut">
               <a:rPr lang="en-US" smtClean="0"/>
-              <a:t>3/24/2023</a:t>
+              <a:t>3/25/2023</a:t>
             </a:fld>
             <a:endParaRPr lang="en-US"/>
           </a:p>
@@ -594,7 +594,7 @@
           <a:p>
             <a:fld id="{3DE104F8-BB58-4C32-9C6F-08E25FB50337}" type="datetimeFigureOut">
               <a:rPr lang="en-US" smtClean="0"/>
-              <a:t>3/24/2023</a:t>
+              <a:t>3/25/2023</a:t>
             </a:fld>
             <a:endParaRPr lang="en-US"/>
           </a:p>
@@ -764,7 +764,7 @@
           <a:p>
             <a:fld id="{3DE104F8-BB58-4C32-9C6F-08E25FB50337}" type="datetimeFigureOut">
               <a:rPr lang="en-US" smtClean="0"/>
-              <a:t>3/24/2023</a:t>
+              <a:t>3/25/2023</a:t>
             </a:fld>
             <a:endParaRPr lang="en-US"/>
           </a:p>
@@ -1008,7 +1008,7 @@
           <a:p>
             <a:fld id="{3DE104F8-BB58-4C32-9C6F-08E25FB50337}" type="datetimeFigureOut">
               <a:rPr lang="en-US" smtClean="0"/>
-              <a:t>3/24/2023</a:t>
+              <a:t>3/25/2023</a:t>
             </a:fld>
             <a:endParaRPr lang="en-US"/>
           </a:p>
@@ -1240,7 +1240,7 @@
           <a:p>
             <a:fld id="{3DE104F8-BB58-4C32-9C6F-08E25FB50337}" type="datetimeFigureOut">
               <a:rPr lang="en-US" smtClean="0"/>
-              <a:t>3/24/2023</a:t>
+              <a:t>3/25/2023</a:t>
             </a:fld>
             <a:endParaRPr lang="en-US"/>
           </a:p>
@@ -1607,7 +1607,7 @@
           <a:p>
             <a:fld id="{3DE104F8-BB58-4C32-9C6F-08E25FB50337}" type="datetimeFigureOut">
               <a:rPr lang="en-US" smtClean="0"/>
-              <a:t>3/24/2023</a:t>
+              <a:t>3/25/2023</a:t>
             </a:fld>
             <a:endParaRPr lang="en-US"/>
           </a:p>
@@ -1725,7 +1725,7 @@
           <a:p>
             <a:fld id="{3DE104F8-BB58-4C32-9C6F-08E25FB50337}" type="datetimeFigureOut">
               <a:rPr lang="en-US" smtClean="0"/>
-              <a:t>3/24/2023</a:t>
+              <a:t>3/25/2023</a:t>
             </a:fld>
             <a:endParaRPr lang="en-US"/>
           </a:p>
@@ -1820,7 +1820,7 @@
           <a:p>
             <a:fld id="{3DE104F8-BB58-4C32-9C6F-08E25FB50337}" type="datetimeFigureOut">
               <a:rPr lang="en-US" smtClean="0"/>
-              <a:t>3/24/2023</a:t>
+              <a:t>3/25/2023</a:t>
             </a:fld>
             <a:endParaRPr lang="en-US"/>
           </a:p>
@@ -2097,7 +2097,7 @@
           <a:p>
             <a:fld id="{3DE104F8-BB58-4C32-9C6F-08E25FB50337}" type="datetimeFigureOut">
               <a:rPr lang="en-US" smtClean="0"/>
-              <a:t>3/24/2023</a:t>
+              <a:t>3/25/2023</a:t>
             </a:fld>
             <a:endParaRPr lang="en-US"/>
           </a:p>
@@ -2354,7 +2354,7 @@
           <a:p>
             <a:fld id="{3DE104F8-BB58-4C32-9C6F-08E25FB50337}" type="datetimeFigureOut">
               <a:rPr lang="en-US" smtClean="0"/>
-              <a:t>3/24/2023</a:t>
+              <a:t>3/25/2023</a:t>
             </a:fld>
             <a:endParaRPr lang="en-US"/>
           </a:p>
@@ -2567,7 +2567,7 @@
           <a:p>
             <a:fld id="{3DE104F8-BB58-4C32-9C6F-08E25FB50337}" type="datetimeFigureOut">
               <a:rPr lang="en-US" smtClean="0"/>
-              <a:t>3/24/2023</a:t>
+              <a:t>3/25/2023</a:t>
             </a:fld>
             <a:endParaRPr lang="en-US"/>
           </a:p>
@@ -2972,6 +2972,35 @@
           <a:chExt cx="0" cy="0"/>
         </a:xfrm>
       </p:grpSpPr>
+      <p:pic>
+        <p:nvPicPr>
+          <p:cNvPr id="2" name="Picture 1">
+            <a:extLst>
+              <a:ext uri="{FF2B5EF4-FFF2-40B4-BE49-F238E27FC236}">
+                <a16:creationId xmlns:a16="http://schemas.microsoft.com/office/drawing/2014/main" id="{82CCF1F6-35C5-4B50-8197-827BF73C76DE}"/>
+              </a:ext>
+            </a:extLst>
+          </p:cNvPr>
+          <p:cNvPicPr>
+            <a:picLocks noChangeAspect="1"/>
+          </p:cNvPicPr>
+          <p:nvPr/>
+        </p:nvPicPr>
+        <p:blipFill rotWithShape="1">
+          <a:blip r:embed="rId2"/>
+          <a:srcRect r="37228"/>
+          <a:stretch/>
+        </p:blipFill>
+        <p:spPr>
+          <a:xfrm>
+            <a:off x="1018540" y="4143031"/>
+            <a:ext cx="3070860" cy="1533568"/>
+          </a:xfrm>
+          <a:prstGeom prst="rect">
+            <a:avLst/>
+          </a:prstGeom>
+        </p:spPr>
+      </p:pic>
     </p:spTree>
     <p:extLst>
       <p:ext uri="{BB962C8B-B14F-4D97-AF65-F5344CB8AC3E}">
@@ -3016,7 +3045,7 @@
         </p:nvGrpSpPr>
         <p:grpSpPr>
           <a:xfrm>
-            <a:off x="982980" y="1684311"/>
+            <a:off x="1262380" y="3386111"/>
             <a:ext cx="4892040" cy="9845702"/>
             <a:chOff x="1340690" y="1684311"/>
             <a:chExt cx="4892040" cy="9845702"/>
